--- a/reference_content/Slides/tensorflow_optimization.pptx
+++ b/reference_content/Slides/tensorflow_optimization.pptx
@@ -9,10 +9,17 @@
     <p:sldId id="257" r:id="rId3"/>
     <p:sldId id="258" r:id="rId4"/>
     <p:sldId id="259" r:id="rId5"/>
-    <p:sldId id="260" r:id="rId6"/>
-    <p:sldId id="261" r:id="rId7"/>
-    <p:sldId id="262" r:id="rId8"/>
-    <p:sldId id="263" r:id="rId9"/>
+    <p:sldId id="264" r:id="rId6"/>
+    <p:sldId id="265" r:id="rId7"/>
+    <p:sldId id="266" r:id="rId8"/>
+    <p:sldId id="260" r:id="rId9"/>
+    <p:sldId id="261" r:id="rId10"/>
+    <p:sldId id="262" r:id="rId11"/>
+    <p:sldId id="263" r:id="rId12"/>
+    <p:sldId id="267" r:id="rId13"/>
+    <p:sldId id="268" r:id="rId14"/>
+    <p:sldId id="269" r:id="rId15"/>
+    <p:sldId id="270" r:id="rId16"/>
   </p:sldIdLst>
   <p:sldSz cx="12192000" cy="6858000"/>
   <p:notesSz cx="6858000" cy="9144000"/>
@@ -111,6 +118,11 @@
       </a:defRPr>
     </a:lvl9pPr>
   </p:defaultTextStyle>
+  <p:extLst>
+    <p:ext uri="{EFAFB233-063F-42B5-8137-9DF3F51BA10A}">
+      <p15:sldGuideLst xmlns:p15="http://schemas.microsoft.com/office/powerpoint/2012/main"/>
+    </p:ext>
+  </p:extLst>
 </p:presentation>
 </file>
 
@@ -313,7 +325,7 @@
           <a:p>
             <a:fld id="{04AB04D2-159E-4A89-9D41-8FD3B2B47560}" type="datetimeFigureOut">
               <a:rPr lang="LID4096" smtClean="0"/>
-              <a:t>03/20/2022</a:t>
+              <a:t>3/22/22</a:t>
             </a:fld>
             <a:endParaRPr lang="LID4096"/>
           </a:p>
@@ -524,7 +536,7 @@
           <a:p>
             <a:fld id="{04AB04D2-159E-4A89-9D41-8FD3B2B47560}" type="datetimeFigureOut">
               <a:rPr lang="LID4096" smtClean="0"/>
-              <a:t>03/20/2022</a:t>
+              <a:t>3/22/22</a:t>
             </a:fld>
             <a:endParaRPr lang="LID4096"/>
           </a:p>
@@ -739,7 +751,7 @@
           <a:p>
             <a:fld id="{04AB04D2-159E-4A89-9D41-8FD3B2B47560}" type="datetimeFigureOut">
               <a:rPr lang="LID4096" smtClean="0"/>
-              <a:t>03/20/2022</a:t>
+              <a:t>3/22/22</a:t>
             </a:fld>
             <a:endParaRPr lang="LID4096"/>
           </a:p>
@@ -940,7 +952,7 @@
           <a:p>
             <a:fld id="{04AB04D2-159E-4A89-9D41-8FD3B2B47560}" type="datetimeFigureOut">
               <a:rPr lang="LID4096" smtClean="0"/>
-              <a:t>03/20/2022</a:t>
+              <a:t>3/22/22</a:t>
             </a:fld>
             <a:endParaRPr lang="LID4096"/>
           </a:p>
@@ -1219,7 +1231,7 @@
           <a:p>
             <a:fld id="{04AB04D2-159E-4A89-9D41-8FD3B2B47560}" type="datetimeFigureOut">
               <a:rPr lang="LID4096" smtClean="0"/>
-              <a:t>03/20/2022</a:t>
+              <a:t>3/22/22</a:t>
             </a:fld>
             <a:endParaRPr lang="LID4096"/>
           </a:p>
@@ -1487,7 +1499,7 @@
           <a:p>
             <a:fld id="{04AB04D2-159E-4A89-9D41-8FD3B2B47560}" type="datetimeFigureOut">
               <a:rPr lang="LID4096" smtClean="0"/>
-              <a:t>03/20/2022</a:t>
+              <a:t>3/22/22</a:t>
             </a:fld>
             <a:endParaRPr lang="LID4096"/>
           </a:p>
@@ -1903,7 +1915,7 @@
           <a:p>
             <a:fld id="{04AB04D2-159E-4A89-9D41-8FD3B2B47560}" type="datetimeFigureOut">
               <a:rPr lang="LID4096" smtClean="0"/>
-              <a:t>03/20/2022</a:t>
+              <a:t>3/22/22</a:t>
             </a:fld>
             <a:endParaRPr lang="LID4096"/>
           </a:p>
@@ -2052,7 +2064,7 @@
           <a:p>
             <a:fld id="{04AB04D2-159E-4A89-9D41-8FD3B2B47560}" type="datetimeFigureOut">
               <a:rPr lang="LID4096" smtClean="0"/>
-              <a:t>03/20/2022</a:t>
+              <a:t>3/22/22</a:t>
             </a:fld>
             <a:endParaRPr lang="LID4096"/>
           </a:p>
@@ -2178,7 +2190,7 @@
           <a:p>
             <a:fld id="{04AB04D2-159E-4A89-9D41-8FD3B2B47560}" type="datetimeFigureOut">
               <a:rPr lang="LID4096" smtClean="0"/>
-              <a:t>03/20/2022</a:t>
+              <a:t>3/22/22</a:t>
             </a:fld>
             <a:endParaRPr lang="LID4096"/>
           </a:p>
@@ -2429,7 +2441,7 @@
           <a:p>
             <a:fld id="{04AB04D2-159E-4A89-9D41-8FD3B2B47560}" type="datetimeFigureOut">
               <a:rPr lang="LID4096" smtClean="0"/>
-              <a:t>03/20/2022</a:t>
+              <a:t>3/22/22</a:t>
             </a:fld>
             <a:endParaRPr lang="LID4096"/>
           </a:p>
@@ -2874,7 +2886,7 @@
           <a:p>
             <a:fld id="{04AB04D2-159E-4A89-9D41-8FD3B2B47560}" type="datetimeFigureOut">
               <a:rPr lang="LID4096" smtClean="0"/>
-              <a:t>03/20/2022</a:t>
+              <a:t>3/22/22</a:t>
             </a:fld>
             <a:endParaRPr lang="LID4096"/>
           </a:p>
@@ -3201,7 +3213,7 @@
           <a:p>
             <a:fld id="{04AB04D2-159E-4A89-9D41-8FD3B2B47560}" type="datetimeFigureOut">
               <a:rPr lang="LID4096" smtClean="0"/>
-              <a:t>03/20/2022</a:t>
+              <a:t>3/22/22</a:t>
             </a:fld>
             <a:endParaRPr lang="LID4096"/>
           </a:p>
@@ -3768,6 +3780,998 @@
 </p:sld>
 </file>
 
+<file path=ppt/slides/slide10.xml><?xml version="1.0" encoding="utf-8"?>
+<p:sld xmlns:a="http://schemas.openxmlformats.org/drawingml/2006/main" xmlns:r="http://schemas.openxmlformats.org/officeDocument/2006/relationships" xmlns:p="http://schemas.openxmlformats.org/presentationml/2006/main">
+  <p:cSld>
+    <p:spTree>
+      <p:nvGrpSpPr>
+        <p:cNvPr id="1" name=""/>
+        <p:cNvGrpSpPr/>
+        <p:nvPr/>
+      </p:nvGrpSpPr>
+      <p:grpSpPr>
+        <a:xfrm>
+          <a:off x="0" y="0"/>
+          <a:ext cx="0" cy="0"/>
+          <a:chOff x="0" y="0"/>
+          <a:chExt cx="0" cy="0"/>
+        </a:xfrm>
+      </p:grpSpPr>
+      <p:sp>
+        <p:nvSpPr>
+          <p:cNvPr id="2" name="Title 1">
+            <a:extLst>
+              <a:ext uri="{FF2B5EF4-FFF2-40B4-BE49-F238E27FC236}">
+                <a16:creationId xmlns:a16="http://schemas.microsoft.com/office/drawing/2014/main" id="{34986ED5-DCBC-44E8-A70B-39E557577940}"/>
+              </a:ext>
+            </a:extLst>
+          </p:cNvPr>
+          <p:cNvSpPr>
+            <a:spLocks noGrp="1"/>
+          </p:cNvSpPr>
+          <p:nvPr>
+            <p:ph type="title"/>
+          </p:nvPr>
+        </p:nvSpPr>
+        <p:spPr/>
+        <p:txBody>
+          <a:bodyPr/>
+          <a:lstStyle/>
+          <a:p>
+            <a:r>
+              <a:rPr lang="en-CA" dirty="0"/>
+              <a:t>Optimizer</a:t>
+            </a:r>
+            <a:endParaRPr lang="LID4096" dirty="0"/>
+          </a:p>
+        </p:txBody>
+      </p:sp>
+      <p:sp>
+        <p:nvSpPr>
+          <p:cNvPr id="3" name="Content Placeholder 2">
+            <a:extLst>
+              <a:ext uri="{FF2B5EF4-FFF2-40B4-BE49-F238E27FC236}">
+                <a16:creationId xmlns:a16="http://schemas.microsoft.com/office/drawing/2014/main" id="{4B2CD011-BB37-4394-B021-0011F0FE5371}"/>
+              </a:ext>
+            </a:extLst>
+          </p:cNvPr>
+          <p:cNvSpPr>
+            <a:spLocks noGrp="1"/>
+          </p:cNvSpPr>
+          <p:nvPr>
+            <p:ph idx="1"/>
+          </p:nvPr>
+        </p:nvSpPr>
+        <p:spPr/>
+        <p:txBody>
+          <a:bodyPr/>
+          <a:lstStyle/>
+          <a:p>
+            <a:r>
+              <a:rPr lang="en-CA" dirty="0"/>
+              <a:t>The optimizer is the algorithm used for gradient descent. </a:t>
+            </a:r>
+          </a:p>
+          <a:p>
+            <a:r>
+              <a:rPr lang="en-CA" dirty="0"/>
+              <a:t>We’ll leave this aside for the most part. </a:t>
+            </a:r>
+          </a:p>
+          <a:p>
+            <a:r>
+              <a:rPr lang="en-CA" dirty="0"/>
+              <a:t>Adam is the most common and is a good choice:</a:t>
+            </a:r>
+          </a:p>
+          <a:p>
+            <a:pPr lvl="1"/>
+            <a:r>
+              <a:rPr lang="en-CA" dirty="0"/>
+              <a:t>Converges efficiently. </a:t>
+            </a:r>
+          </a:p>
+          <a:p>
+            <a:pPr lvl="1"/>
+            <a:r>
+              <a:rPr lang="en-CA" dirty="0"/>
+              <a:t>Computation and memory efficient. </a:t>
+            </a:r>
+          </a:p>
+          <a:p>
+            <a:r>
+              <a:rPr lang="en-CA" dirty="0"/>
+              <a:t>Different algorithms are more critical with very large datasets where the computation differences on the specific data add up to substantial time. </a:t>
+            </a:r>
+            <a:endParaRPr lang="LID4096" dirty="0"/>
+          </a:p>
+        </p:txBody>
+      </p:sp>
+    </p:spTree>
+    <p:extLst>
+      <p:ext uri="{BB962C8B-B14F-4D97-AF65-F5344CB8AC3E}">
+        <p14:creationId xmlns:p14="http://schemas.microsoft.com/office/powerpoint/2010/main" val="1375585324"/>
+      </p:ext>
+    </p:extLst>
+  </p:cSld>
+  <p:clrMapOvr>
+    <a:masterClrMapping/>
+  </p:clrMapOvr>
+</p:sld>
+</file>
+
+<file path=ppt/slides/slide11.xml><?xml version="1.0" encoding="utf-8"?>
+<p:sld xmlns:a="http://schemas.openxmlformats.org/drawingml/2006/main" xmlns:r="http://schemas.openxmlformats.org/officeDocument/2006/relationships" xmlns:p="http://schemas.openxmlformats.org/presentationml/2006/main">
+  <p:cSld>
+    <p:bg>
+      <p:bgPr>
+        <a:gradFill rotWithShape="1">
+          <a:gsLst>
+            <a:gs pos="0">
+              <a:schemeClr val="bg2">
+                <a:tint val="94000"/>
+                <a:satMod val="80000"/>
+                <a:lumMod val="106000"/>
+              </a:schemeClr>
+            </a:gs>
+            <a:gs pos="100000">
+              <a:schemeClr val="bg2">
+                <a:shade val="80000"/>
+              </a:schemeClr>
+            </a:gs>
+          </a:gsLst>
+          <a:path path="circle">
+            <a:fillToRect l="43000" r="43000" b="100000"/>
+          </a:path>
+        </a:gradFill>
+        <a:effectLst/>
+      </p:bgPr>
+    </p:bg>
+    <p:spTree>
+      <p:nvGrpSpPr>
+        <p:cNvPr id="1" name=""/>
+        <p:cNvGrpSpPr/>
+        <p:nvPr/>
+      </p:nvGrpSpPr>
+      <p:grpSpPr>
+        <a:xfrm>
+          <a:off x="0" y="0"/>
+          <a:ext cx="0" cy="0"/>
+          <a:chOff x="0" y="0"/>
+          <a:chExt cx="0" cy="0"/>
+        </a:xfrm>
+      </p:grpSpPr>
+      <p:sp>
+        <p:nvSpPr>
+          <p:cNvPr id="2" name="Title 1">
+            <a:extLst>
+              <a:ext uri="{FF2B5EF4-FFF2-40B4-BE49-F238E27FC236}">
+                <a16:creationId xmlns:a16="http://schemas.microsoft.com/office/drawing/2014/main" id="{0082CAF9-B4E1-4729-88E5-0D11190C387F}"/>
+              </a:ext>
+            </a:extLst>
+          </p:cNvPr>
+          <p:cNvSpPr>
+            <a:spLocks noGrp="1"/>
+          </p:cNvSpPr>
+          <p:nvPr>
+            <p:ph type="title"/>
+          </p:nvPr>
+        </p:nvSpPr>
+        <p:spPr>
+          <a:xfrm>
+            <a:off x="1451579" y="804519"/>
+            <a:ext cx="9603275" cy="1049235"/>
+          </a:xfrm>
+        </p:spPr>
+        <p:txBody>
+          <a:bodyPr>
+            <a:normAutofit/>
+          </a:bodyPr>
+          <a:lstStyle/>
+          <a:p>
+            <a:r>
+              <a:rPr lang="en-CA" dirty="0"/>
+              <a:t>Activation Functions (Hidden Layers)</a:t>
+            </a:r>
+            <a:endParaRPr lang="LID4096" dirty="0"/>
+          </a:p>
+        </p:txBody>
+      </p:sp>
+      <p:sp>
+        <p:nvSpPr>
+          <p:cNvPr id="3" name="Content Placeholder 2">
+            <a:extLst>
+              <a:ext uri="{FF2B5EF4-FFF2-40B4-BE49-F238E27FC236}">
+                <a16:creationId xmlns:a16="http://schemas.microsoft.com/office/drawing/2014/main" id="{28019EF6-C3D4-4F7E-9535-A7B288B5931C}"/>
+              </a:ext>
+            </a:extLst>
+          </p:cNvPr>
+          <p:cNvSpPr>
+            <a:spLocks noGrp="1"/>
+          </p:cNvSpPr>
+          <p:nvPr>
+            <p:ph idx="1"/>
+          </p:nvPr>
+        </p:nvSpPr>
+        <p:spPr>
+          <a:xfrm>
+            <a:off x="533400" y="1853754"/>
+            <a:ext cx="7113963" cy="4331146"/>
+          </a:xfrm>
+        </p:spPr>
+        <p:txBody>
+          <a:bodyPr>
+            <a:normAutofit fontScale="92500" lnSpcReduction="10000"/>
+          </a:bodyPr>
+          <a:lstStyle/>
+          <a:p>
+            <a:r>
+              <a:rPr lang="en-CA" sz="2400" dirty="0"/>
+              <a:t>Activation functions “squish” the linear combination in a neuron into an output. </a:t>
+            </a:r>
+          </a:p>
+          <a:p>
+            <a:r>
+              <a:rPr lang="en-CA" sz="2400" dirty="0"/>
+              <a:t>They provide the non-linearity that neural networks need. </a:t>
+            </a:r>
+          </a:p>
+          <a:p>
+            <a:pPr lvl="1"/>
+            <a:r>
+              <a:rPr lang="en-CA" sz="2000" dirty="0"/>
+              <a:t>No activation function = giant, complex, linear regression. </a:t>
+            </a:r>
+          </a:p>
+          <a:p>
+            <a:r>
+              <a:rPr lang="en-CA" sz="2400" dirty="0" err="1"/>
+              <a:t>ReLU</a:t>
+            </a:r>
+            <a:r>
+              <a:rPr lang="en-CA" sz="2400" dirty="0"/>
+              <a:t> – Rectified Linear Unit has been our default. </a:t>
+            </a:r>
+          </a:p>
+          <a:p>
+            <a:pPr lvl="1"/>
+            <a:r>
+              <a:rPr lang="en-CA" sz="2000" dirty="0"/>
+              <a:t>Efficient computations, converges quickly. </a:t>
+            </a:r>
+          </a:p>
+          <a:p>
+            <a:pPr lvl="1"/>
+            <a:r>
+              <a:rPr lang="en-CA" sz="2000" dirty="0"/>
+              <a:t>Can suffer from “Dying </a:t>
+            </a:r>
+            <a:r>
+              <a:rPr lang="en-CA" sz="2000" dirty="0" err="1"/>
+              <a:t>ReLU</a:t>
+            </a:r>
+            <a:r>
+              <a:rPr lang="en-CA" sz="2000" dirty="0"/>
+              <a:t>” – if inputs are negative functions can get “stuck” at 0. </a:t>
+            </a:r>
+          </a:p>
+          <a:p>
+            <a:pPr lvl="1"/>
+            <a:r>
+              <a:rPr lang="en-CA" sz="2000" dirty="0"/>
+              <a:t>Some neurons may “die”, and never change from returning 0.</a:t>
+            </a:r>
+          </a:p>
+          <a:p>
+            <a:pPr lvl="1"/>
+            <a:r>
+              <a:rPr lang="en-CA" sz="2000" dirty="0"/>
+              <a:t>Results in sparse outputs. </a:t>
+            </a:r>
+          </a:p>
+          <a:p>
+            <a:pPr lvl="1"/>
+            <a:endParaRPr lang="LID4096" sz="2000"/>
+          </a:p>
+        </p:txBody>
+      </p:sp>
+      <p:pic>
+        <p:nvPicPr>
+          <p:cNvPr id="3074" name="Picture 2" descr="ReLU activation function | Download Scientific Diagram">
+            <a:extLst>
+              <a:ext uri="{FF2B5EF4-FFF2-40B4-BE49-F238E27FC236}">
+                <a16:creationId xmlns:a16="http://schemas.microsoft.com/office/drawing/2014/main" id="{E7C9D5E8-0E5D-8E4F-A19A-AEB80452F3B6}"/>
+              </a:ext>
+            </a:extLst>
+          </p:cNvPr>
+          <p:cNvPicPr>
+            <a:picLocks noChangeAspect="1" noChangeArrowheads="1"/>
+          </p:cNvPicPr>
+          <p:nvPr/>
+        </p:nvPicPr>
+        <p:blipFill>
+          <a:blip r:embed="rId2">
+            <a:extLst>
+              <a:ext uri="{28A0092B-C50C-407E-A947-70E740481C1C}">
+                <a14:useLocalDpi xmlns:a14="http://schemas.microsoft.com/office/drawing/2010/main" val="0"/>
+              </a:ext>
+            </a:extLst>
+          </a:blip>
+          <a:stretch>
+            <a:fillRect/>
+          </a:stretch>
+        </p:blipFill>
+        <p:spPr bwMode="auto">
+          <a:xfrm>
+            <a:off x="8128756" y="2469061"/>
+            <a:ext cx="3796544" cy="3300726"/>
+          </a:xfrm>
+          <a:prstGeom prst="rect">
+            <a:avLst/>
+          </a:prstGeom>
+          <a:noFill/>
+          <a:extLst>
+            <a:ext uri="{909E8E84-426E-40DD-AFC4-6F175D3DCCD1}">
+              <a14:hiddenFill xmlns:a14="http://schemas.microsoft.com/office/drawing/2010/main">
+                <a:solidFill>
+                  <a:srgbClr val="FFFFFF"/>
+                </a:solidFill>
+              </a14:hiddenFill>
+            </a:ext>
+          </a:extLst>
+        </p:spPr>
+      </p:pic>
+    </p:spTree>
+    <p:extLst>
+      <p:ext uri="{BB962C8B-B14F-4D97-AF65-F5344CB8AC3E}">
+        <p14:creationId xmlns:p14="http://schemas.microsoft.com/office/powerpoint/2010/main" val="1393217473"/>
+      </p:ext>
+    </p:extLst>
+  </p:cSld>
+  <p:clrMapOvr>
+    <a:masterClrMapping/>
+  </p:clrMapOvr>
+</p:sld>
+</file>
+
+<file path=ppt/slides/slide12.xml><?xml version="1.0" encoding="utf-8"?>
+<p:sld xmlns:a="http://schemas.openxmlformats.org/drawingml/2006/main" xmlns:r="http://schemas.openxmlformats.org/officeDocument/2006/relationships" xmlns:p="http://schemas.openxmlformats.org/presentationml/2006/main">
+  <p:cSld>
+    <p:bg>
+      <p:bgPr>
+        <a:gradFill rotWithShape="1">
+          <a:gsLst>
+            <a:gs pos="0">
+              <a:schemeClr val="bg2">
+                <a:tint val="94000"/>
+                <a:satMod val="80000"/>
+                <a:lumMod val="106000"/>
+              </a:schemeClr>
+            </a:gs>
+            <a:gs pos="100000">
+              <a:schemeClr val="bg2">
+                <a:shade val="80000"/>
+              </a:schemeClr>
+            </a:gs>
+          </a:gsLst>
+          <a:path path="circle">
+            <a:fillToRect l="43000" r="43000" b="100000"/>
+          </a:path>
+        </a:gradFill>
+        <a:effectLst/>
+      </p:bgPr>
+    </p:bg>
+    <p:spTree>
+      <p:nvGrpSpPr>
+        <p:cNvPr id="1" name=""/>
+        <p:cNvGrpSpPr/>
+        <p:nvPr/>
+      </p:nvGrpSpPr>
+      <p:grpSpPr>
+        <a:xfrm>
+          <a:off x="0" y="0"/>
+          <a:ext cx="0" cy="0"/>
+          <a:chOff x="0" y="0"/>
+          <a:chExt cx="0" cy="0"/>
+        </a:xfrm>
+      </p:grpSpPr>
+      <p:sp>
+        <p:nvSpPr>
+          <p:cNvPr id="2" name="Title 1">
+            <a:extLst>
+              <a:ext uri="{FF2B5EF4-FFF2-40B4-BE49-F238E27FC236}">
+                <a16:creationId xmlns:a16="http://schemas.microsoft.com/office/drawing/2014/main" id="{545C478D-17F9-E44C-A19C-72ECD4713630}"/>
+              </a:ext>
+            </a:extLst>
+          </p:cNvPr>
+          <p:cNvSpPr>
+            <a:spLocks noGrp="1"/>
+          </p:cNvSpPr>
+          <p:nvPr>
+            <p:ph type="title"/>
+          </p:nvPr>
+        </p:nvSpPr>
+        <p:spPr>
+          <a:xfrm>
+            <a:off x="1451579" y="804519"/>
+            <a:ext cx="9603275" cy="1049235"/>
+          </a:xfrm>
+        </p:spPr>
+        <p:txBody>
+          <a:bodyPr>
+            <a:normAutofit/>
+          </a:bodyPr>
+          <a:lstStyle/>
+          <a:p>
+            <a:r>
+              <a:rPr lang="en-US" dirty="0"/>
+              <a:t>Activation Functions – </a:t>
+            </a:r>
+            <a:r>
+              <a:rPr lang="en-US" dirty="0" err="1"/>
+              <a:t>Relu</a:t>
+            </a:r>
+            <a:r>
+              <a:rPr lang="en-US" dirty="0"/>
+              <a:t> Variations</a:t>
+            </a:r>
+          </a:p>
+        </p:txBody>
+      </p:sp>
+      <p:pic>
+        <p:nvPicPr>
+          <p:cNvPr id="4098" name="Picture 2" descr="8: Illustration of output of ELU vs ReLU vs Leaky ReLU function with... |  Download Scientific Diagram">
+            <a:extLst>
+              <a:ext uri="{FF2B5EF4-FFF2-40B4-BE49-F238E27FC236}">
+                <a16:creationId xmlns:a16="http://schemas.microsoft.com/office/drawing/2014/main" id="{28167D23-766C-0F49-9CF6-84F2EA8D7EC2}"/>
+              </a:ext>
+            </a:extLst>
+          </p:cNvPr>
+          <p:cNvPicPr>
+            <a:picLocks noChangeAspect="1" noChangeArrowheads="1"/>
+          </p:cNvPicPr>
+          <p:nvPr/>
+        </p:nvPicPr>
+        <p:blipFill>
+          <a:blip r:embed="rId2">
+            <a:extLst>
+              <a:ext uri="{28A0092B-C50C-407E-A947-70E740481C1C}">
+                <a14:useLocalDpi xmlns:a14="http://schemas.microsoft.com/office/drawing/2010/main" val="0"/>
+              </a:ext>
+            </a:extLst>
+          </a:blip>
+          <a:stretch>
+            <a:fillRect/>
+          </a:stretch>
+        </p:blipFill>
+        <p:spPr bwMode="auto">
+          <a:xfrm>
+            <a:off x="1628427" y="2015734"/>
+            <a:ext cx="4606746" cy="3450613"/>
+          </a:xfrm>
+          <a:prstGeom prst="rect">
+            <a:avLst/>
+          </a:prstGeom>
+          <a:noFill/>
+          <a:extLst>
+            <a:ext uri="{909E8E84-426E-40DD-AFC4-6F175D3DCCD1}">
+              <a14:hiddenFill xmlns:a14="http://schemas.microsoft.com/office/drawing/2010/main">
+                <a:solidFill>
+                  <a:srgbClr val="FFFFFF"/>
+                </a:solidFill>
+              </a14:hiddenFill>
+            </a:ext>
+          </a:extLst>
+        </p:spPr>
+      </p:pic>
+      <p:sp>
+        <p:nvSpPr>
+          <p:cNvPr id="3" name="Content Placeholder 2">
+            <a:extLst>
+              <a:ext uri="{FF2B5EF4-FFF2-40B4-BE49-F238E27FC236}">
+                <a16:creationId xmlns:a16="http://schemas.microsoft.com/office/drawing/2014/main" id="{0E5CABA0-1113-1546-ABF6-995CA6EE2352}"/>
+              </a:ext>
+            </a:extLst>
+          </p:cNvPr>
+          <p:cNvSpPr>
+            <a:spLocks noGrp="1"/>
+          </p:cNvSpPr>
+          <p:nvPr>
+            <p:ph idx="1"/>
+          </p:nvPr>
+        </p:nvSpPr>
+        <p:spPr>
+          <a:xfrm>
+            <a:off x="6448108" y="2015734"/>
+            <a:ext cx="5390965" cy="3855677"/>
+          </a:xfrm>
+        </p:spPr>
+        <p:txBody>
+          <a:bodyPr>
+            <a:normAutofit/>
+          </a:bodyPr>
+          <a:lstStyle/>
+          <a:p>
+            <a:r>
+              <a:rPr lang="en-US" dirty="0"/>
+              <a:t>To address those issues with </a:t>
+            </a:r>
+            <a:r>
+              <a:rPr lang="en-US" dirty="0" err="1"/>
+              <a:t>ReLU</a:t>
+            </a:r>
+            <a:r>
+              <a:rPr lang="en-US" dirty="0"/>
+              <a:t>, alternatives were created:</a:t>
+            </a:r>
+          </a:p>
+          <a:p>
+            <a:pPr lvl="1"/>
+            <a:r>
+              <a:rPr lang="en-US" dirty="0"/>
+              <a:t>Notably – Leaky </a:t>
+            </a:r>
+            <a:r>
+              <a:rPr lang="en-US" dirty="0" err="1"/>
+              <a:t>ReLU</a:t>
+            </a:r>
+            <a:r>
+              <a:rPr lang="en-US" dirty="0"/>
+              <a:t> and ELU</a:t>
+            </a:r>
+          </a:p>
+          <a:p>
+            <a:pPr lvl="1"/>
+            <a:r>
+              <a:rPr lang="en-US" dirty="0"/>
+              <a:t>ELU = Exponential Linear. </a:t>
+            </a:r>
+          </a:p>
+          <a:p>
+            <a:r>
+              <a:rPr lang="en-US" dirty="0"/>
+              <a:t>Each removes that 0 value range. </a:t>
+            </a:r>
+          </a:p>
+          <a:p>
+            <a:pPr lvl="1"/>
+            <a:r>
+              <a:rPr lang="en-US" dirty="0"/>
+              <a:t>Removes the Dying </a:t>
+            </a:r>
+            <a:r>
+              <a:rPr lang="en-US" dirty="0" err="1"/>
+              <a:t>ReLU</a:t>
+            </a:r>
+            <a:r>
+              <a:rPr lang="en-US" dirty="0"/>
+              <a:t> issue.</a:t>
+            </a:r>
+          </a:p>
+          <a:p>
+            <a:r>
+              <a:rPr lang="en-US" dirty="0"/>
+              <a:t>Can help speed training. </a:t>
+            </a:r>
+          </a:p>
+          <a:p>
+            <a:r>
+              <a:rPr lang="en-US" dirty="0"/>
+              <a:t>If using </a:t>
+            </a:r>
+            <a:r>
+              <a:rPr lang="en-US" dirty="0" err="1"/>
+              <a:t>ReLU</a:t>
+            </a:r>
+            <a:r>
+              <a:rPr lang="en-US" dirty="0"/>
+              <a:t> – reducing learning rate can also combat the dying issue. </a:t>
+            </a:r>
+          </a:p>
+        </p:txBody>
+      </p:sp>
+    </p:spTree>
+    <p:extLst>
+      <p:ext uri="{BB962C8B-B14F-4D97-AF65-F5344CB8AC3E}">
+        <p14:creationId xmlns:p14="http://schemas.microsoft.com/office/powerpoint/2010/main" val="587557089"/>
+      </p:ext>
+    </p:extLst>
+  </p:cSld>
+  <p:clrMapOvr>
+    <a:masterClrMapping/>
+  </p:clrMapOvr>
+</p:sld>
+</file>
+
+<file path=ppt/slides/slide13.xml><?xml version="1.0" encoding="utf-8"?>
+<p:sld xmlns:a="http://schemas.openxmlformats.org/drawingml/2006/main" xmlns:r="http://schemas.openxmlformats.org/officeDocument/2006/relationships" xmlns:p="http://schemas.openxmlformats.org/presentationml/2006/main">
+  <p:cSld>
+    <p:spTree>
+      <p:nvGrpSpPr>
+        <p:cNvPr id="1" name=""/>
+        <p:cNvGrpSpPr/>
+        <p:nvPr/>
+      </p:nvGrpSpPr>
+      <p:grpSpPr>
+        <a:xfrm>
+          <a:off x="0" y="0"/>
+          <a:ext cx="0" cy="0"/>
+          <a:chOff x="0" y="0"/>
+          <a:chExt cx="0" cy="0"/>
+        </a:xfrm>
+      </p:grpSpPr>
+      <p:sp>
+        <p:nvSpPr>
+          <p:cNvPr id="2" name="Title 1">
+            <a:extLst>
+              <a:ext uri="{FF2B5EF4-FFF2-40B4-BE49-F238E27FC236}">
+                <a16:creationId xmlns:a16="http://schemas.microsoft.com/office/drawing/2014/main" id="{8AB3D8A8-1279-C44F-AB18-28BCD74E016C}"/>
+              </a:ext>
+            </a:extLst>
+          </p:cNvPr>
+          <p:cNvSpPr>
+            <a:spLocks noGrp="1"/>
+          </p:cNvSpPr>
+          <p:nvPr>
+            <p:ph type="title"/>
+          </p:nvPr>
+        </p:nvSpPr>
+        <p:spPr/>
+        <p:txBody>
+          <a:bodyPr/>
+          <a:lstStyle/>
+          <a:p>
+            <a:r>
+              <a:rPr lang="en-US" dirty="0"/>
+              <a:t>Initialization </a:t>
+            </a:r>
+          </a:p>
+        </p:txBody>
+      </p:sp>
+      <p:sp>
+        <p:nvSpPr>
+          <p:cNvPr id="3" name="Content Placeholder 2">
+            <a:extLst>
+              <a:ext uri="{FF2B5EF4-FFF2-40B4-BE49-F238E27FC236}">
+                <a16:creationId xmlns:a16="http://schemas.microsoft.com/office/drawing/2014/main" id="{E6932690-B733-C245-A962-ECCC4BCA3B54}"/>
+              </a:ext>
+            </a:extLst>
+          </p:cNvPr>
+          <p:cNvSpPr>
+            <a:spLocks noGrp="1"/>
+          </p:cNvSpPr>
+          <p:nvPr>
+            <p:ph idx="1"/>
+          </p:nvPr>
+        </p:nvSpPr>
+        <p:spPr>
+          <a:xfrm>
+            <a:off x="1451579" y="2015732"/>
+            <a:ext cx="9603275" cy="4037749"/>
+          </a:xfrm>
+        </p:spPr>
+        <p:txBody>
+          <a:bodyPr/>
+          <a:lstStyle/>
+          <a:p>
+            <a:r>
+              <a:rPr lang="en-US" dirty="0"/>
+              <a:t>Initialization controls how the weight and bias values start. </a:t>
+            </a:r>
+          </a:p>
+          <a:p>
+            <a:r>
+              <a:rPr lang="en-US" dirty="0"/>
+              <a:t>Can be controlled via a parameter for each layer:</a:t>
+            </a:r>
+          </a:p>
+          <a:p>
+            <a:pPr lvl="1"/>
+            <a:r>
+              <a:rPr lang="en-US" dirty="0"/>
+              <a:t>Weight initialization is by default is “</a:t>
+            </a:r>
+            <a:r>
+              <a:rPr lang="en-US" dirty="0" err="1"/>
+              <a:t>glorot_uniform</a:t>
+            </a:r>
+            <a:r>
+              <a:rPr lang="en-US" dirty="0"/>
+              <a:t>” – a variety of random. </a:t>
+            </a:r>
+          </a:p>
+          <a:p>
+            <a:pPr lvl="1"/>
+            <a:r>
+              <a:rPr lang="en-US" dirty="0"/>
+              <a:t>Bias initialization defaults to 0. </a:t>
+            </a:r>
+          </a:p>
+          <a:p>
+            <a:pPr lvl="1"/>
+            <a:r>
+              <a:rPr lang="en-US" dirty="0"/>
+              <a:t>We won’t delve into the details of initialization much – lots of math, not practical. </a:t>
+            </a:r>
+          </a:p>
+          <a:p>
+            <a:r>
+              <a:rPr lang="en-US" dirty="0"/>
+              <a:t>Imbalanced data – the data has a “bias” to start with. </a:t>
+            </a:r>
+          </a:p>
+          <a:p>
+            <a:pPr lvl="1"/>
+            <a:r>
+              <a:rPr lang="en-US" dirty="0"/>
+              <a:t>Set bias on output layer to the bias in the data. </a:t>
+            </a:r>
+          </a:p>
+          <a:p>
+            <a:pPr lvl="1"/>
+            <a:r>
+              <a:rPr lang="en-US" dirty="0"/>
+              <a:t>Network doesn’t need to learn the massive shift in bias. </a:t>
+            </a:r>
+          </a:p>
+          <a:p>
+            <a:pPr lvl="1"/>
+            <a:r>
+              <a:rPr lang="en-US" dirty="0"/>
+              <a:t>Faster convergence and more accuracy. </a:t>
+            </a:r>
+          </a:p>
+          <a:p>
+            <a:endParaRPr lang="en-US" dirty="0"/>
+          </a:p>
+        </p:txBody>
+      </p:sp>
+    </p:spTree>
+    <p:extLst>
+      <p:ext uri="{BB962C8B-B14F-4D97-AF65-F5344CB8AC3E}">
+        <p14:creationId xmlns:p14="http://schemas.microsoft.com/office/powerpoint/2010/main" val="2996444863"/>
+      </p:ext>
+    </p:extLst>
+  </p:cSld>
+  <p:clrMapOvr>
+    <a:masterClrMapping/>
+  </p:clrMapOvr>
+</p:sld>
+</file>
+
+<file path=ppt/slides/slide14.xml><?xml version="1.0" encoding="utf-8"?>
+<p:sld xmlns:a="http://schemas.openxmlformats.org/drawingml/2006/main" xmlns:r="http://schemas.openxmlformats.org/officeDocument/2006/relationships" xmlns:p="http://schemas.openxmlformats.org/presentationml/2006/main">
+  <p:cSld>
+    <p:spTree>
+      <p:nvGrpSpPr>
+        <p:cNvPr id="1" name=""/>
+        <p:cNvGrpSpPr/>
+        <p:nvPr/>
+      </p:nvGrpSpPr>
+      <p:grpSpPr>
+        <a:xfrm>
+          <a:off x="0" y="0"/>
+          <a:ext cx="0" cy="0"/>
+          <a:chOff x="0" y="0"/>
+          <a:chExt cx="0" cy="0"/>
+        </a:xfrm>
+      </p:grpSpPr>
+      <p:sp>
+        <p:nvSpPr>
+          <p:cNvPr id="2" name="Title 1">
+            <a:extLst>
+              <a:ext uri="{FF2B5EF4-FFF2-40B4-BE49-F238E27FC236}">
+                <a16:creationId xmlns:a16="http://schemas.microsoft.com/office/drawing/2014/main" id="{CBCB9964-3340-F14A-ACF7-EC8ED9BC8A5E}"/>
+              </a:ext>
+            </a:extLst>
+          </p:cNvPr>
+          <p:cNvSpPr>
+            <a:spLocks noGrp="1"/>
+          </p:cNvSpPr>
+          <p:nvPr>
+            <p:ph type="title"/>
+          </p:nvPr>
+        </p:nvSpPr>
+        <p:spPr/>
+        <p:txBody>
+          <a:bodyPr/>
+          <a:lstStyle/>
+          <a:p>
+            <a:r>
+              <a:rPr lang="en-US" dirty="0"/>
+              <a:t>Pruning</a:t>
+            </a:r>
+          </a:p>
+        </p:txBody>
+      </p:sp>
+      <p:sp>
+        <p:nvSpPr>
+          <p:cNvPr id="3" name="Content Placeholder 2">
+            <a:extLst>
+              <a:ext uri="{FF2B5EF4-FFF2-40B4-BE49-F238E27FC236}">
+                <a16:creationId xmlns:a16="http://schemas.microsoft.com/office/drawing/2014/main" id="{45B0AA7B-21C6-0E42-874B-B074C1D1E3E9}"/>
+              </a:ext>
+            </a:extLst>
+          </p:cNvPr>
+          <p:cNvSpPr>
+            <a:spLocks noGrp="1"/>
+          </p:cNvSpPr>
+          <p:nvPr>
+            <p:ph idx="1"/>
+          </p:nvPr>
+        </p:nvSpPr>
+        <p:spPr>
+          <a:xfrm>
+            <a:off x="1451579" y="2015732"/>
+            <a:ext cx="9603275" cy="4105935"/>
+          </a:xfrm>
+        </p:spPr>
+        <p:txBody>
+          <a:bodyPr>
+            <a:normAutofit lnSpcReduction="10000"/>
+          </a:bodyPr>
+          <a:lstStyle/>
+          <a:p>
+            <a:r>
+              <a:rPr lang="en-US" dirty="0"/>
+              <a:t>Neural networks can get very large!</a:t>
+            </a:r>
+          </a:p>
+          <a:p>
+            <a:r>
+              <a:rPr lang="en-US" dirty="0"/>
+              <a:t>Like a tree, a trained network may contain parts that aren’t super critical in making predictions. </a:t>
+            </a:r>
+          </a:p>
+          <a:p>
+            <a:pPr lvl="1"/>
+            <a:r>
+              <a:rPr lang="en-US" dirty="0"/>
+              <a:t>As an example, think of “dying </a:t>
+            </a:r>
+            <a:r>
+              <a:rPr lang="en-US" dirty="0" err="1"/>
+              <a:t>relu</a:t>
+            </a:r>
+            <a:r>
+              <a:rPr lang="en-US" dirty="0"/>
+              <a:t>” neurons. </a:t>
+            </a:r>
+          </a:p>
+          <a:p>
+            <a:r>
+              <a:rPr lang="en-US" dirty="0"/>
+              <a:t>Pruning can trim a network back by making it more sparse. </a:t>
+            </a:r>
+          </a:p>
+          <a:p>
+            <a:r>
+              <a:rPr lang="en-US" dirty="0"/>
+              <a:t>Can potentially improve generalization – just as tree pruning does. </a:t>
+            </a:r>
+          </a:p>
+          <a:p>
+            <a:r>
+              <a:rPr lang="en-US" dirty="0"/>
+              <a:t>Allows networks to be used for prediction with fewer computations. </a:t>
+            </a:r>
+          </a:p>
+          <a:p>
+            <a:pPr lvl="1"/>
+            <a:r>
+              <a:rPr lang="en-US" dirty="0"/>
+              <a:t>Predictions on a computer: one forward propagation, relatively simple. </a:t>
+            </a:r>
+          </a:p>
+          <a:p>
+            <a:pPr lvl="1"/>
+            <a:r>
+              <a:rPr lang="en-US" dirty="0"/>
+              <a:t>Predictions on a phone/raspberry pi/Roomba/drone, can be challenging. </a:t>
+            </a:r>
+          </a:p>
+          <a:p>
+            <a:pPr lvl="1"/>
+            <a:r>
+              <a:rPr lang="en-US" dirty="0"/>
+              <a:t>Pruned models require less processing and less memory, can be used on more devices. </a:t>
+            </a:r>
+          </a:p>
+        </p:txBody>
+      </p:sp>
+    </p:spTree>
+    <p:extLst>
+      <p:ext uri="{BB962C8B-B14F-4D97-AF65-F5344CB8AC3E}">
+        <p14:creationId xmlns:p14="http://schemas.microsoft.com/office/powerpoint/2010/main" val="1773265296"/>
+      </p:ext>
+    </p:extLst>
+  </p:cSld>
+  <p:clrMapOvr>
+    <a:masterClrMapping/>
+  </p:clrMapOvr>
+</p:sld>
+</file>
+
+<file path=ppt/slides/slide15.xml><?xml version="1.0" encoding="utf-8"?>
+<p:sld xmlns:a="http://schemas.openxmlformats.org/drawingml/2006/main" xmlns:r="http://schemas.openxmlformats.org/officeDocument/2006/relationships" xmlns:p="http://schemas.openxmlformats.org/presentationml/2006/main">
+  <p:cSld>
+    <p:spTree>
+      <p:nvGrpSpPr>
+        <p:cNvPr id="1" name=""/>
+        <p:cNvGrpSpPr/>
+        <p:nvPr/>
+      </p:nvGrpSpPr>
+      <p:grpSpPr>
+        <a:xfrm>
+          <a:off x="0" y="0"/>
+          <a:ext cx="0" cy="0"/>
+          <a:chOff x="0" y="0"/>
+          <a:chExt cx="0" cy="0"/>
+        </a:xfrm>
+      </p:grpSpPr>
+      <p:sp>
+        <p:nvSpPr>
+          <p:cNvPr id="2" name="Title 1">
+            <a:extLst>
+              <a:ext uri="{FF2B5EF4-FFF2-40B4-BE49-F238E27FC236}">
+                <a16:creationId xmlns:a16="http://schemas.microsoft.com/office/drawing/2014/main" id="{00F11902-F058-D543-A654-EBFA8DD915C4}"/>
+              </a:ext>
+            </a:extLst>
+          </p:cNvPr>
+          <p:cNvSpPr>
+            <a:spLocks noGrp="1"/>
+          </p:cNvSpPr>
+          <p:nvPr>
+            <p:ph type="title"/>
+          </p:nvPr>
+        </p:nvSpPr>
+        <p:spPr/>
+        <p:txBody>
+          <a:bodyPr/>
+          <a:lstStyle/>
+          <a:p>
+            <a:endParaRPr lang="en-US" dirty="0"/>
+          </a:p>
+        </p:txBody>
+      </p:sp>
+      <p:sp>
+        <p:nvSpPr>
+          <p:cNvPr id="3" name="Content Placeholder 2">
+            <a:extLst>
+              <a:ext uri="{FF2B5EF4-FFF2-40B4-BE49-F238E27FC236}">
+                <a16:creationId xmlns:a16="http://schemas.microsoft.com/office/drawing/2014/main" id="{48CFE9E9-25F7-5040-BB55-69E72FC98883}"/>
+              </a:ext>
+            </a:extLst>
+          </p:cNvPr>
+          <p:cNvSpPr>
+            <a:spLocks noGrp="1"/>
+          </p:cNvSpPr>
+          <p:nvPr>
+            <p:ph idx="1"/>
+          </p:nvPr>
+        </p:nvSpPr>
+        <p:spPr/>
+        <p:txBody>
+          <a:bodyPr/>
+          <a:lstStyle/>
+          <a:p>
+            <a:endParaRPr lang="en-US"/>
+          </a:p>
+        </p:txBody>
+      </p:sp>
+    </p:spTree>
+    <p:extLst>
+      <p:ext uri="{BB962C8B-B14F-4D97-AF65-F5344CB8AC3E}">
+        <p14:creationId xmlns:p14="http://schemas.microsoft.com/office/powerpoint/2010/main" val="2123746333"/>
+      </p:ext>
+    </p:extLst>
+  </p:cSld>
+  <p:clrMapOvr>
+    <a:masterClrMapping/>
+  </p:clrMapOvr>
+</p:sld>
+</file>
+
 <file path=ppt/slides/slide2.xml><?xml version="1.0" encoding="utf-8"?>
 <p:sld xmlns:a="http://schemas.openxmlformats.org/drawingml/2006/main" xmlns:r="http://schemas.openxmlformats.org/officeDocument/2006/relationships" xmlns:p="http://schemas.openxmlformats.org/presentationml/2006/main">
   <p:cSld>
@@ -3856,6 +4860,19 @@
             <a:r>
               <a:rPr lang="en-CA" dirty="0"/>
               <a:t>We can use some guidelines to get started in a reasonable and smart way. </a:t>
+            </a:r>
+          </a:p>
+          <a:p>
+            <a:endParaRPr lang="en-CA" dirty="0"/>
+          </a:p>
+          <a:p>
+            <a:r>
+              <a:rPr lang="en-CA" dirty="0"/>
+              <a:t>Excluded: Loss – we’ll look at losses </a:t>
+            </a:r>
+            <a:r>
+              <a:rPr lang="en-CA"/>
+              <a:t>more next week. </a:t>
             </a:r>
             <a:endParaRPr lang="LID4096" dirty="0"/>
           </a:p>
@@ -4056,10 +5073,15 @@
             <p:ph idx="1"/>
           </p:nvPr>
         </p:nvSpPr>
-        <p:spPr/>
+        <p:spPr>
+          <a:xfrm>
+            <a:off x="1451579" y="2015732"/>
+            <a:ext cx="9603275" cy="4126651"/>
+          </a:xfrm>
+        </p:spPr>
         <p:txBody>
           <a:bodyPr>
-            <a:normAutofit fontScale="92500"/>
+            <a:normAutofit/>
           </a:bodyPr>
           <a:lstStyle/>
           <a:p>
@@ -4075,17 +5097,16 @@
             </a:r>
           </a:p>
           <a:p>
+            <a:pPr lvl="1"/>
             <a:r>
               <a:rPr lang="en-CA" dirty="0"/>
-              <a:t>In general, depth is </a:t>
-            </a:r>
-            <a:r>
-              <a:rPr lang="en-CA" dirty="0" err="1"/>
-              <a:t>prefered</a:t>
-            </a:r>
+              <a:t>Universal approximation theorem – one layer can in principle learn anything. </a:t>
+            </a:r>
+          </a:p>
+          <a:p>
             <a:r>
               <a:rPr lang="en-CA" dirty="0"/>
-              <a:t>. Why?</a:t>
+              <a:t>In general, depth is preferred. Why?</a:t>
             </a:r>
           </a:p>
           <a:p>
@@ -4161,7 +5182,7 @@
           <p:cNvPr id="2" name="Title 1">
             <a:extLst>
               <a:ext uri="{FF2B5EF4-FFF2-40B4-BE49-F238E27FC236}">
-                <a16:creationId xmlns:a16="http://schemas.microsoft.com/office/drawing/2014/main" id="{3C3F4E92-B91C-4411-9AE6-F65251C2E68F}"/>
+                <a16:creationId xmlns:a16="http://schemas.microsoft.com/office/drawing/2014/main" id="{96401725-9E0C-C94C-A904-0AD2C6AAE9D9}"/>
               </a:ext>
             </a:extLst>
           </p:cNvPr>
@@ -4178,10 +5199,9 @@
           <a:lstStyle/>
           <a:p>
             <a:r>
-              <a:rPr lang="en-CA" dirty="0"/>
-              <a:t>So how big do I make it?</a:t>
-            </a:r>
-            <a:endParaRPr lang="LID4096" dirty="0"/>
+              <a:rPr lang="en-US" dirty="0"/>
+              <a:t>Example: ImageNet</a:t>
+            </a:r>
           </a:p>
         </p:txBody>
       </p:sp>
@@ -4190,7 +5210,7 @@
           <p:cNvPr id="3" name="Content Placeholder 2">
             <a:extLst>
               <a:ext uri="{FF2B5EF4-FFF2-40B4-BE49-F238E27FC236}">
-                <a16:creationId xmlns:a16="http://schemas.microsoft.com/office/drawing/2014/main" id="{69AF324C-0304-4D50-9E1F-5D00ACFC962D}"/>
+                <a16:creationId xmlns:a16="http://schemas.microsoft.com/office/drawing/2014/main" id="{4F6E703D-820A-C645-952F-C87CDE2DFF51}"/>
               </a:ext>
             </a:extLst>
           </p:cNvPr>
@@ -4203,65 +5223,91 @@
         </p:nvSpPr>
         <p:spPr>
           <a:xfrm>
-            <a:off x="1451579" y="2015732"/>
-            <a:ext cx="9603275" cy="4037749"/>
+            <a:off x="1451579" y="1853754"/>
+            <a:ext cx="9603275" cy="4199727"/>
           </a:xfrm>
         </p:spPr>
         <p:txBody>
-          <a:bodyPr/>
-          <a:lstStyle/>
-          <a:p>
-            <a:r>
-              <a:rPr lang="en-CA" dirty="0"/>
-              <a:t>See more specific guidelines in workbook. </a:t>
-            </a:r>
-          </a:p>
-          <a:p>
-            <a:r>
-              <a:rPr lang="en-CA" dirty="0"/>
-              <a:t>Start with 1 to 3 layers the same size as the input (or ~512-768 if input is huge). </a:t>
-            </a:r>
-          </a:p>
-          <a:p>
-            <a:r>
-              <a:rPr lang="en-CA" dirty="0"/>
-              <a:t>Add layers to overfit. </a:t>
-            </a:r>
-          </a:p>
-          <a:p>
-            <a:r>
-              <a:rPr lang="en-CA" dirty="0"/>
-              <a:t>Add regularization to cut overfitting. </a:t>
-            </a:r>
-          </a:p>
-          <a:p>
-            <a:r>
-              <a:rPr lang="en-CA" dirty="0"/>
-              <a:t>Try with layer size “funneled” down layer by layer. </a:t>
-            </a:r>
-          </a:p>
-          <a:p>
-            <a:r>
-              <a:rPr lang="en-CA" dirty="0"/>
-              <a:t>Prune network. </a:t>
-            </a:r>
-          </a:p>
-          <a:p>
-            <a:endParaRPr lang="en-CA" dirty="0"/>
-          </a:p>
-          <a:p>
-            <a:r>
-              <a:rPr lang="en-CA" dirty="0"/>
-              <a:t>A real answer is grid search, this should get us close enough to start with. </a:t>
-            </a:r>
-            <a:endParaRPr lang="LID4096" dirty="0"/>
+          <a:bodyPr>
+            <a:normAutofit lnSpcReduction="10000"/>
+          </a:bodyPr>
+          <a:lstStyle/>
+          <a:p>
+            <a:r>
+              <a:rPr lang="en-US" dirty="0" err="1"/>
+              <a:t>Imagenet</a:t>
+            </a:r>
+            <a:r>
+              <a:rPr lang="en-US" dirty="0"/>
+              <a:t> is a dataset developed in the late 2000s to help computer vision. </a:t>
+            </a:r>
+          </a:p>
+          <a:p>
+            <a:pPr lvl="1"/>
+            <a:r>
+              <a:rPr lang="en-US" dirty="0"/>
+              <a:t>Thought – better dataset leads to better models. </a:t>
+            </a:r>
+          </a:p>
+          <a:p>
+            <a:r>
+              <a:rPr lang="en-US" dirty="0"/>
+              <a:t>Nested set of 3.2 million (initially) to over 13 million (now) images with labels. </a:t>
+            </a:r>
+          </a:p>
+          <a:p>
+            <a:pPr lvl="1"/>
+            <a:r>
+              <a:rPr lang="en-US" dirty="0"/>
+              <a:t>Labeled largely through Mechanical Turk service. </a:t>
+            </a:r>
+          </a:p>
+          <a:p>
+            <a:pPr lvl="1"/>
+            <a:r>
+              <a:rPr lang="en-US" dirty="0"/>
+              <a:t>Hierarchical labels – e.g. a chair is a type of furniture, a dog is an animal. </a:t>
+            </a:r>
+          </a:p>
+          <a:p>
+            <a:r>
+              <a:rPr lang="en-US" dirty="0"/>
+              <a:t>Became benchmark of image recognition accuracy.</a:t>
+            </a:r>
+          </a:p>
+          <a:p>
+            <a:r>
+              <a:rPr lang="en-US" dirty="0"/>
+              <a:t>From ~2012-2013 to ~2015-2016 networks got deeper and losses fell. </a:t>
+            </a:r>
+          </a:p>
+          <a:p>
+            <a:pPr lvl="1"/>
+            <a:r>
+              <a:rPr lang="en-US" dirty="0"/>
+              <a:t>In addition to use of CNN architecture – next time. </a:t>
+            </a:r>
+          </a:p>
+          <a:p>
+            <a:pPr lvl="1"/>
+            <a:r>
+              <a:rPr lang="en-US" dirty="0"/>
+              <a:t>Improved GPU speed and utilization drove success. </a:t>
+            </a:r>
+          </a:p>
+          <a:p>
+            <a:pPr lvl="1"/>
+            <a:r>
+              <a:rPr lang="en-US" dirty="0"/>
+              <a:t>Why GPU? The multidimensional tensor operations are similar calculations to 3D space. </a:t>
+            </a:r>
           </a:p>
         </p:txBody>
       </p:sp>
     </p:spTree>
     <p:extLst>
       <p:ext uri="{BB962C8B-B14F-4D97-AF65-F5344CB8AC3E}">
-        <p14:creationId xmlns:p14="http://schemas.microsoft.com/office/powerpoint/2010/main" val="2955667924"/>
+        <p14:creationId xmlns:p14="http://schemas.microsoft.com/office/powerpoint/2010/main" val="3015852836"/>
       </p:ext>
     </p:extLst>
   </p:cSld>
@@ -4293,7 +5339,7 @@
           <p:cNvPr id="2" name="Title 1">
             <a:extLst>
               <a:ext uri="{FF2B5EF4-FFF2-40B4-BE49-F238E27FC236}">
-                <a16:creationId xmlns:a16="http://schemas.microsoft.com/office/drawing/2014/main" id="{9DF6D07A-F89C-4648-8C5C-62C367F69E6C}"/>
+                <a16:creationId xmlns:a16="http://schemas.microsoft.com/office/drawing/2014/main" id="{9E87A118-4046-1549-A491-E41BAA57FD48}"/>
               </a:ext>
             </a:extLst>
           </p:cNvPr>
@@ -4309,11 +5355,7 @@
           <a:bodyPr/>
           <a:lstStyle/>
           <a:p>
-            <a:r>
-              <a:rPr lang="en-CA" dirty="0"/>
-              <a:t>Epochs and Batches</a:t>
-            </a:r>
-            <a:endParaRPr lang="LID4096" dirty="0"/>
+            <a:endParaRPr lang="en-US"/>
           </a:p>
         </p:txBody>
       </p:sp>
@@ -4322,7 +5364,7 @@
           <p:cNvPr id="3" name="Content Placeholder 2">
             <a:extLst>
               <a:ext uri="{FF2B5EF4-FFF2-40B4-BE49-F238E27FC236}">
-                <a16:creationId xmlns:a16="http://schemas.microsoft.com/office/drawing/2014/main" id="{90B4D315-C411-40F9-A088-3BE0DD9996F7}"/>
+                <a16:creationId xmlns:a16="http://schemas.microsoft.com/office/drawing/2014/main" id="{F0F98167-5640-AE4B-85EC-F441A191ADB1}"/>
               </a:ext>
             </a:extLst>
           </p:cNvPr>
@@ -4333,82 +5375,66 @@
             <p:ph idx="1"/>
           </p:nvPr>
         </p:nvSpPr>
-        <p:spPr>
+        <p:spPr/>
+        <p:txBody>
+          <a:bodyPr/>
+          <a:lstStyle/>
+          <a:p>
+            <a:endParaRPr lang="en-US"/>
+          </a:p>
+        </p:txBody>
+      </p:sp>
+      <p:pic>
+        <p:nvPicPr>
+          <p:cNvPr id="1026" name="Picture 2" descr="Recent ConvNets proposed in ILSVRC. | Download Scientific Diagram">
+            <a:extLst>
+              <a:ext uri="{FF2B5EF4-FFF2-40B4-BE49-F238E27FC236}">
+                <a16:creationId xmlns:a16="http://schemas.microsoft.com/office/drawing/2014/main" id="{7539817F-65DB-2342-AE57-926325560A6F}"/>
+              </a:ext>
+            </a:extLst>
+          </p:cNvPr>
+          <p:cNvPicPr>
+            <a:picLocks noChangeAspect="1" noChangeArrowheads="1"/>
+          </p:cNvPicPr>
+          <p:nvPr/>
+        </p:nvPicPr>
+        <p:blipFill>
+          <a:blip r:embed="rId2">
+            <a:extLst>
+              <a:ext uri="{28A0092B-C50C-407E-A947-70E740481C1C}">
+                <a14:useLocalDpi xmlns:a14="http://schemas.microsoft.com/office/drawing/2010/main" val="0"/>
+              </a:ext>
+            </a:extLst>
+          </a:blip>
+          <a:srcRect/>
+          <a:stretch>
+            <a:fillRect/>
+          </a:stretch>
+        </p:blipFill>
+        <p:spPr bwMode="auto">
           <a:xfrm>
-            <a:off x="1451579" y="2015732"/>
-            <a:ext cx="9603275" cy="3952806"/>
+            <a:off x="0" y="1020417"/>
+            <a:ext cx="12179576" cy="4585252"/>
           </a:xfrm>
+          <a:prstGeom prst="rect">
+            <a:avLst/>
+          </a:prstGeom>
+          <a:noFill/>
+          <a:extLst>
+            <a:ext uri="{909E8E84-426E-40DD-AFC4-6F175D3DCCD1}">
+              <a14:hiddenFill xmlns:a14="http://schemas.microsoft.com/office/drawing/2010/main">
+                <a:solidFill>
+                  <a:srgbClr val="FFFFFF"/>
+                </a:solidFill>
+              </a14:hiddenFill>
+            </a:ext>
+          </a:extLst>
         </p:spPr>
-        <p:txBody>
-          <a:bodyPr/>
-          <a:lstStyle/>
-          <a:p>
-            <a:r>
-              <a:rPr lang="en-CA" dirty="0"/>
-              <a:t>Epochs and batches are both things that are new to us with neural networks. </a:t>
-            </a:r>
-          </a:p>
-          <a:p>
-            <a:r>
-              <a:rPr lang="en-CA" dirty="0"/>
-              <a:t>Each epoch is an execution of one </a:t>
-            </a:r>
-            <a:r>
-              <a:rPr lang="en-CA" dirty="0" err="1"/>
-              <a:t>fp</a:t>
-            </a:r>
-            <a:r>
-              <a:rPr lang="en-CA" dirty="0"/>
-              <a:t>/bp through all of the data. </a:t>
-            </a:r>
-          </a:p>
-          <a:p>
-            <a:pPr lvl="1"/>
-            <a:r>
-              <a:rPr lang="en-CA" dirty="0"/>
-              <a:t>Easiest method is to set early stopping and let the computer figure it out. </a:t>
-            </a:r>
-          </a:p>
-          <a:p>
-            <a:r>
-              <a:rPr lang="en-CA" dirty="0"/>
-              <a:t>Batches are how many records to process before updating weights. </a:t>
-            </a:r>
-          </a:p>
-          <a:p>
-            <a:pPr lvl="1"/>
-            <a:r>
-              <a:rPr lang="en-CA" dirty="0"/>
-              <a:t>Just like regular gradient descent – higher is more stable, smaller more erratic. </a:t>
-            </a:r>
-          </a:p>
-          <a:p>
-            <a:pPr lvl="1"/>
-            <a:r>
-              <a:rPr lang="en-CA" dirty="0"/>
-              <a:t>Limited at the top end by memory capacity. </a:t>
-            </a:r>
-          </a:p>
-          <a:p>
-            <a:pPr lvl="1"/>
-            <a:r>
-              <a:rPr lang="en-CA" dirty="0"/>
-              <a:t>Large vs small is still a matter of debate and varies by data. </a:t>
-            </a:r>
-          </a:p>
-          <a:p>
-            <a:pPr lvl="1"/>
-            <a:r>
-              <a:rPr lang="en-CA" dirty="0"/>
-              <a:t>Generally, smaller batches (as small as 2 -32) seems to offer better generalizable models. </a:t>
-            </a:r>
-          </a:p>
-        </p:txBody>
-      </p:sp>
+      </p:pic>
     </p:spTree>
     <p:extLst>
       <p:ext uri="{BB962C8B-B14F-4D97-AF65-F5344CB8AC3E}">
-        <p14:creationId xmlns:p14="http://schemas.microsoft.com/office/powerpoint/2010/main" val="1589937291"/>
+        <p14:creationId xmlns:p14="http://schemas.microsoft.com/office/powerpoint/2010/main" val="2745808106"/>
       </p:ext>
     </p:extLst>
   </p:cSld>
@@ -4421,6 +5447,30 @@
 <file path=ppt/slides/slide7.xml><?xml version="1.0" encoding="utf-8"?>
 <p:sld xmlns:a="http://schemas.openxmlformats.org/drawingml/2006/main" xmlns:r="http://schemas.openxmlformats.org/officeDocument/2006/relationships" xmlns:p="http://schemas.openxmlformats.org/presentationml/2006/main">
   <p:cSld>
+    <p:bg>
+      <p:bgPr>
+        <a:gradFill rotWithShape="1">
+          <a:gsLst>
+            <a:gs pos="0">
+              <a:schemeClr val="bg2">
+                <a:tint val="94000"/>
+                <a:satMod val="80000"/>
+                <a:lumMod val="106000"/>
+              </a:schemeClr>
+            </a:gs>
+            <a:gs pos="100000">
+              <a:schemeClr val="bg2">
+                <a:shade val="80000"/>
+              </a:schemeClr>
+            </a:gs>
+          </a:gsLst>
+          <a:path path="circle">
+            <a:fillToRect l="43000" r="43000" b="100000"/>
+          </a:path>
+        </a:gradFill>
+        <a:effectLst/>
+      </p:bgPr>
+    </p:bg>
     <p:spTree>
       <p:nvGrpSpPr>
         <p:cNvPr id="1" name=""/>
@@ -4440,7 +5490,7 @@
           <p:cNvPr id="2" name="Title 1">
             <a:extLst>
               <a:ext uri="{FF2B5EF4-FFF2-40B4-BE49-F238E27FC236}">
-                <a16:creationId xmlns:a16="http://schemas.microsoft.com/office/drawing/2014/main" id="{34986ED5-DCBC-44E8-A70B-39E557577940}"/>
+                <a16:creationId xmlns:a16="http://schemas.microsoft.com/office/drawing/2014/main" id="{5E77AFE0-199D-7B45-8484-224ED259DA7E}"/>
               </a:ext>
             </a:extLst>
           </p:cNvPr>
@@ -4451,25 +5501,76 @@
             <p:ph type="title"/>
           </p:nvPr>
         </p:nvSpPr>
-        <p:spPr/>
-        <p:txBody>
-          <a:bodyPr/>
-          <a:lstStyle/>
-          <a:p>
-            <a:r>
-              <a:rPr lang="en-CA" dirty="0"/>
-              <a:t>Optimizer</a:t>
-            </a:r>
-            <a:endParaRPr lang="LID4096" dirty="0"/>
-          </a:p>
-        </p:txBody>
-      </p:sp>
+        <p:spPr>
+          <a:xfrm>
+            <a:off x="1451579" y="804519"/>
+            <a:ext cx="9603275" cy="1049235"/>
+          </a:xfrm>
+        </p:spPr>
+        <p:txBody>
+          <a:bodyPr>
+            <a:normAutofit/>
+          </a:bodyPr>
+          <a:lstStyle/>
+          <a:p>
+            <a:r>
+              <a:rPr lang="en-US" dirty="0"/>
+              <a:t>Deep Learning</a:t>
+            </a:r>
+          </a:p>
+        </p:txBody>
+      </p:sp>
+      <p:pic>
+        <p:nvPicPr>
+          <p:cNvPr id="2050" name="Picture 2">
+            <a:extLst>
+              <a:ext uri="{FF2B5EF4-FFF2-40B4-BE49-F238E27FC236}">
+                <a16:creationId xmlns:a16="http://schemas.microsoft.com/office/drawing/2014/main" id="{E351FF83-CEFF-9A4C-873C-CFDE88AD2D8B}"/>
+              </a:ext>
+            </a:extLst>
+          </p:cNvPr>
+          <p:cNvPicPr>
+            <a:picLocks noChangeAspect="1" noChangeArrowheads="1"/>
+          </p:cNvPicPr>
+          <p:nvPr/>
+        </p:nvPicPr>
+        <p:blipFill rotWithShape="1">
+          <a:blip r:embed="rId2">
+            <a:extLst>
+              <a:ext uri="{28A0092B-C50C-407E-A947-70E740481C1C}">
+                <a14:useLocalDpi xmlns:a14="http://schemas.microsoft.com/office/drawing/2010/main" val="0"/>
+              </a:ext>
+            </a:extLst>
+          </a:blip>
+          <a:srcRect l="4020" t="8581" r="4835" b="13200"/>
+          <a:stretch/>
+        </p:blipFill>
+        <p:spPr bwMode="auto">
+          <a:xfrm>
+            <a:off x="114299" y="2015734"/>
+            <a:ext cx="6578597" cy="3584966"/>
+          </a:xfrm>
+          <a:prstGeom prst="rect">
+            <a:avLst/>
+          </a:prstGeom>
+          <a:noFill/>
+          <a:extLst>
+            <a:ext uri="{909E8E84-426E-40DD-AFC4-6F175D3DCCD1}">
+              <a14:hiddenFill xmlns:a14="http://schemas.microsoft.com/office/drawing/2010/main">
+                <a:solidFill>
+                  <a:srgbClr val="FFFFFF"/>
+                </a:solidFill>
+              </a14:hiddenFill>
+            </a:ext>
+          </a:extLst>
+        </p:spPr>
+      </p:pic>
       <p:sp>
         <p:nvSpPr>
           <p:cNvPr id="3" name="Content Placeholder 2">
             <a:extLst>
               <a:ext uri="{FF2B5EF4-FFF2-40B4-BE49-F238E27FC236}">
-                <a16:creationId xmlns:a16="http://schemas.microsoft.com/office/drawing/2014/main" id="{4B2CD011-BB37-4394-B021-0011F0FE5371}"/>
+                <a16:creationId xmlns:a16="http://schemas.microsoft.com/office/drawing/2014/main" id="{80346EC3-4DD2-2244-9A22-FBE07B35CA0B}"/>
               </a:ext>
             </a:extLst>
           </p:cNvPr>
@@ -4480,55 +5581,65 @@
             <p:ph idx="1"/>
           </p:nvPr>
         </p:nvSpPr>
-        <p:spPr/>
-        <p:txBody>
-          <a:bodyPr/>
-          <a:lstStyle/>
-          <a:p>
-            <a:r>
-              <a:rPr lang="en-CA" dirty="0"/>
-              <a:t>The optimizer is the algorithm used for gradient descent. </a:t>
-            </a:r>
-          </a:p>
-          <a:p>
-            <a:r>
-              <a:rPr lang="en-CA" dirty="0"/>
-              <a:t>We’ll leave this aside for the most part. </a:t>
-            </a:r>
-          </a:p>
-          <a:p>
-            <a:r>
-              <a:rPr lang="en-CA" dirty="0"/>
-              <a:t>Adam is the most common and is a good choice:</a:t>
+        <p:spPr>
+          <a:xfrm>
+            <a:off x="6692897" y="2015734"/>
+            <a:ext cx="5283204" cy="4231062"/>
+          </a:xfrm>
+        </p:spPr>
+        <p:txBody>
+          <a:bodyPr>
+            <a:normAutofit/>
+          </a:bodyPr>
+          <a:lstStyle/>
+          <a:p>
+            <a:r>
+              <a:rPr lang="en-US" dirty="0"/>
+              <a:t>For modern usage most/all of the “cool things” that AI can do is due to deep networks. </a:t>
+            </a:r>
+          </a:p>
+          <a:p>
+            <a:r>
+              <a:rPr lang="en-US" dirty="0"/>
+              <a:t>Reasons:</a:t>
             </a:r>
           </a:p>
           <a:p>
             <a:pPr lvl="1"/>
             <a:r>
-              <a:rPr lang="en-CA" dirty="0"/>
-              <a:t>Converges efficiently. </a:t>
+              <a:rPr lang="en-US" dirty="0"/>
+              <a:t>Layers can extract different representations of data. (More on this next time). </a:t>
             </a:r>
           </a:p>
           <a:p>
             <a:pPr lvl="1"/>
             <a:r>
-              <a:rPr lang="en-CA" dirty="0"/>
-              <a:t>Computation and memory efficient. </a:t>
-            </a:r>
-          </a:p>
-          <a:p>
-            <a:r>
-              <a:rPr lang="en-CA" dirty="0"/>
-              <a:t>Different algorithms are more critical with very large datasets where the computation differences on the specific data add up to substantial time. </a:t>
-            </a:r>
-            <a:endParaRPr lang="LID4096" dirty="0"/>
+              <a:rPr lang="en-US" dirty="0"/>
+              <a:t>Opportunities to regularize. </a:t>
+            </a:r>
+          </a:p>
+          <a:p>
+            <a:pPr lvl="1"/>
+            <a:r>
+              <a:rPr lang="en-US" dirty="0"/>
+              <a:t>Less overfit prone than wide models. </a:t>
+            </a:r>
+          </a:p>
+          <a:p>
+            <a:r>
+              <a:rPr lang="en-US" dirty="0"/>
+              <a:t>Practical evidence is that deep models are generally better. </a:t>
+            </a:r>
+          </a:p>
+          <a:p>
+            <a:endParaRPr lang="en-US" dirty="0"/>
           </a:p>
         </p:txBody>
       </p:sp>
     </p:spTree>
     <p:extLst>
       <p:ext uri="{BB962C8B-B14F-4D97-AF65-F5344CB8AC3E}">
-        <p14:creationId xmlns:p14="http://schemas.microsoft.com/office/powerpoint/2010/main" val="1375585324"/>
+        <p14:creationId xmlns:p14="http://schemas.microsoft.com/office/powerpoint/2010/main" val="3875184223"/>
       </p:ext>
     </p:extLst>
   </p:cSld>
@@ -4560,7 +5671,7 @@
           <p:cNvPr id="2" name="Title 1">
             <a:extLst>
               <a:ext uri="{FF2B5EF4-FFF2-40B4-BE49-F238E27FC236}">
-                <a16:creationId xmlns:a16="http://schemas.microsoft.com/office/drawing/2014/main" id="{0082CAF9-B4E1-4729-88E5-0D11190C387F}"/>
+                <a16:creationId xmlns:a16="http://schemas.microsoft.com/office/drawing/2014/main" id="{3C3F4E92-B91C-4411-9AE6-F65251C2E68F}"/>
               </a:ext>
             </a:extLst>
           </p:cNvPr>
@@ -4578,7 +5689,7 @@
           <a:p>
             <a:r>
               <a:rPr lang="en-CA" dirty="0"/>
-              <a:t>Activation Functions</a:t>
+              <a:t>So how big do I make it?</a:t>
             </a:r>
             <a:endParaRPr lang="LID4096" dirty="0"/>
           </a:p>
@@ -4589,7 +5700,7 @@
           <p:cNvPr id="3" name="Content Placeholder 2">
             <a:extLst>
               <a:ext uri="{FF2B5EF4-FFF2-40B4-BE49-F238E27FC236}">
-                <a16:creationId xmlns:a16="http://schemas.microsoft.com/office/drawing/2014/main" id="{28019EF6-C3D4-4F7E-9535-A7B288B5931C}"/>
+                <a16:creationId xmlns:a16="http://schemas.microsoft.com/office/drawing/2014/main" id="{69AF324C-0304-4D50-9E1F-5D00ACFC962D}"/>
               </a:ext>
             </a:extLst>
           </p:cNvPr>
@@ -4600,35 +5711,246 @@
             <p:ph idx="1"/>
           </p:nvPr>
         </p:nvSpPr>
-        <p:spPr/>
+        <p:spPr>
+          <a:xfrm>
+            <a:off x="1451579" y="2015732"/>
+            <a:ext cx="9603275" cy="4037749"/>
+          </a:xfrm>
+        </p:spPr>
         <p:txBody>
           <a:bodyPr/>
           <a:lstStyle/>
           <a:p>
             <a:r>
               <a:rPr lang="en-CA" dirty="0"/>
-              <a:t>Activation functions “squish” the linear combination in a neuron into an output. </a:t>
+              <a:t>See more specific guidelines in workbook. </a:t>
             </a:r>
           </a:p>
           <a:p>
             <a:r>
               <a:rPr lang="en-CA" dirty="0"/>
-              <a:t>They provide the non-linearity that </a:t>
-            </a:r>
-            <a:r>
-              <a:rPr lang="en-CA"/>
-              <a:t>neural networks need. </a:t>
-            </a:r>
-          </a:p>
-          <a:p>
-            <a:endParaRPr lang="LID4096"/>
+              <a:t>Start with 1 to 3 layers the same size as the input (or ~512-768 if input is huge). </a:t>
+            </a:r>
+          </a:p>
+          <a:p>
+            <a:r>
+              <a:rPr lang="en-CA" dirty="0"/>
+              <a:t>Add layers to overfit. </a:t>
+            </a:r>
+          </a:p>
+          <a:p>
+            <a:r>
+              <a:rPr lang="en-CA" dirty="0"/>
+              <a:t>Add regularization to cut overfitting. </a:t>
+            </a:r>
+          </a:p>
+          <a:p>
+            <a:r>
+              <a:rPr lang="en-CA" dirty="0"/>
+              <a:t>Try with layer size “funneled” down layer by layer. </a:t>
+            </a:r>
+          </a:p>
+          <a:p>
+            <a:r>
+              <a:rPr lang="en-CA" dirty="0"/>
+              <a:t>Prune network. </a:t>
+            </a:r>
+          </a:p>
+          <a:p>
+            <a:endParaRPr lang="en-CA" dirty="0"/>
+          </a:p>
+          <a:p>
+            <a:r>
+              <a:rPr lang="en-CA" dirty="0"/>
+              <a:t>A real answer is grid search, this should get us close enough to start with. </a:t>
+            </a:r>
+            <a:endParaRPr lang="LID4096" dirty="0"/>
           </a:p>
         </p:txBody>
       </p:sp>
     </p:spTree>
     <p:extLst>
       <p:ext uri="{BB962C8B-B14F-4D97-AF65-F5344CB8AC3E}">
-        <p14:creationId xmlns:p14="http://schemas.microsoft.com/office/powerpoint/2010/main" val="1393217473"/>
+        <p14:creationId xmlns:p14="http://schemas.microsoft.com/office/powerpoint/2010/main" val="2955667924"/>
+      </p:ext>
+    </p:extLst>
+  </p:cSld>
+  <p:clrMapOvr>
+    <a:masterClrMapping/>
+  </p:clrMapOvr>
+</p:sld>
+</file>
+
+<file path=ppt/slides/slide9.xml><?xml version="1.0" encoding="utf-8"?>
+<p:sld xmlns:a="http://schemas.openxmlformats.org/drawingml/2006/main" xmlns:r="http://schemas.openxmlformats.org/officeDocument/2006/relationships" xmlns:p="http://schemas.openxmlformats.org/presentationml/2006/main">
+  <p:cSld>
+    <p:spTree>
+      <p:nvGrpSpPr>
+        <p:cNvPr id="1" name=""/>
+        <p:cNvGrpSpPr/>
+        <p:nvPr/>
+      </p:nvGrpSpPr>
+      <p:grpSpPr>
+        <a:xfrm>
+          <a:off x="0" y="0"/>
+          <a:ext cx="0" cy="0"/>
+          <a:chOff x="0" y="0"/>
+          <a:chExt cx="0" cy="0"/>
+        </a:xfrm>
+      </p:grpSpPr>
+      <p:sp>
+        <p:nvSpPr>
+          <p:cNvPr id="2" name="Title 1">
+            <a:extLst>
+              <a:ext uri="{FF2B5EF4-FFF2-40B4-BE49-F238E27FC236}">
+                <a16:creationId xmlns:a16="http://schemas.microsoft.com/office/drawing/2014/main" id="{9DF6D07A-F89C-4648-8C5C-62C367F69E6C}"/>
+              </a:ext>
+            </a:extLst>
+          </p:cNvPr>
+          <p:cNvSpPr>
+            <a:spLocks noGrp="1"/>
+          </p:cNvSpPr>
+          <p:nvPr>
+            <p:ph type="title"/>
+          </p:nvPr>
+        </p:nvSpPr>
+        <p:spPr/>
+        <p:txBody>
+          <a:bodyPr/>
+          <a:lstStyle/>
+          <a:p>
+            <a:r>
+              <a:rPr lang="en-CA" dirty="0"/>
+              <a:t>Epochs and Batches</a:t>
+            </a:r>
+            <a:endParaRPr lang="LID4096" dirty="0"/>
+          </a:p>
+        </p:txBody>
+      </p:sp>
+      <p:sp>
+        <p:nvSpPr>
+          <p:cNvPr id="3" name="Content Placeholder 2">
+            <a:extLst>
+              <a:ext uri="{FF2B5EF4-FFF2-40B4-BE49-F238E27FC236}">
+                <a16:creationId xmlns:a16="http://schemas.microsoft.com/office/drawing/2014/main" id="{90B4D315-C411-40F9-A088-3BE0DD9996F7}"/>
+              </a:ext>
+            </a:extLst>
+          </p:cNvPr>
+          <p:cNvSpPr>
+            <a:spLocks noGrp="1"/>
+          </p:cNvSpPr>
+          <p:nvPr>
+            <p:ph idx="1"/>
+          </p:nvPr>
+        </p:nvSpPr>
+        <p:spPr>
+          <a:xfrm>
+            <a:off x="1183907" y="1853754"/>
+            <a:ext cx="10222030" cy="4114784"/>
+          </a:xfrm>
+        </p:spPr>
+        <p:txBody>
+          <a:bodyPr>
+            <a:normAutofit lnSpcReduction="10000"/>
+          </a:bodyPr>
+          <a:lstStyle/>
+          <a:p>
+            <a:r>
+              <a:rPr lang="en-CA" dirty="0"/>
+              <a:t>Epochs and batches are both things that are new to us with neural networks. </a:t>
+            </a:r>
+          </a:p>
+          <a:p>
+            <a:r>
+              <a:rPr lang="en-CA" dirty="0"/>
+              <a:t>Each epoch is an execution of one </a:t>
+            </a:r>
+            <a:r>
+              <a:rPr lang="en-CA" dirty="0" err="1"/>
+              <a:t>fp</a:t>
+            </a:r>
+            <a:r>
+              <a:rPr lang="en-CA" dirty="0"/>
+              <a:t>/bp through all of the data. </a:t>
+            </a:r>
+          </a:p>
+          <a:p>
+            <a:pPr lvl="1"/>
+            <a:r>
+              <a:rPr lang="en-CA" dirty="0"/>
+              <a:t>Easiest method is to set early stopping and let the computer figure it out. </a:t>
+            </a:r>
+          </a:p>
+          <a:p>
+            <a:r>
+              <a:rPr lang="en-CA" dirty="0"/>
+              <a:t>Batches are how many records to process before updating weights. </a:t>
+            </a:r>
+          </a:p>
+          <a:p>
+            <a:pPr lvl="1"/>
+            <a:r>
+              <a:rPr lang="en-CA" dirty="0"/>
+              <a:t>Just like regular gradient descent – higher is more stable, smaller more erratic. </a:t>
+            </a:r>
+          </a:p>
+          <a:p>
+            <a:pPr lvl="1"/>
+            <a:r>
+              <a:rPr lang="en-CA" dirty="0"/>
+              <a:t>Limited at the top end by memory capacity. </a:t>
+            </a:r>
+          </a:p>
+          <a:p>
+            <a:pPr lvl="1"/>
+            <a:r>
+              <a:rPr lang="en-CA" dirty="0"/>
+              <a:t>Large vs small is still a matter of debate and varies by data. </a:t>
+            </a:r>
+          </a:p>
+          <a:p>
+            <a:pPr lvl="1"/>
+            <a:r>
+              <a:rPr lang="en-CA" dirty="0"/>
+              <a:t>Generally, smaller batches (as small as 2 -32) seems to offer better generalizable models. </a:t>
+            </a:r>
+          </a:p>
+          <a:p>
+            <a:pPr lvl="1"/>
+            <a:r>
+              <a:rPr lang="en-CA" dirty="0"/>
+              <a:t>Big batches may process far faster – better HW utilization and fewer weight updates. </a:t>
+            </a:r>
+          </a:p>
+          <a:p>
+            <a:pPr lvl="2"/>
+            <a:r>
+              <a:rPr lang="en-CA" dirty="0"/>
+              <a:t>Think – weight matrix per layer is </a:t>
+            </a:r>
+            <a:r>
+              <a:rPr lang="en-CA" dirty="0" err="1"/>
+              <a:t>input_size</a:t>
+            </a:r>
+            <a:r>
+              <a:rPr lang="en-CA" dirty="0"/>
+              <a:t> * </a:t>
+            </a:r>
+            <a:r>
+              <a:rPr lang="en-CA" dirty="0" err="1"/>
+              <a:t>output_size</a:t>
+            </a:r>
+            <a:r>
+              <a:rPr lang="en-CA" dirty="0"/>
+              <a:t>. 512 * 512 = ~250k updates</a:t>
+            </a:r>
+          </a:p>
+        </p:txBody>
+      </p:sp>
+    </p:spTree>
+    <p:extLst>
+      <p:ext uri="{BB962C8B-B14F-4D97-AF65-F5344CB8AC3E}">
+        <p14:creationId xmlns:p14="http://schemas.microsoft.com/office/powerpoint/2010/main" val="1589937291"/>
       </p:ext>
     </p:extLst>
   </p:cSld>
